--- a/docs/rich_menu.pptx
+++ b/docs/rich_menu.pptx
@@ -13,6 +13,9 @@
     <p:sldId id="261" r:id="rId7"/>
     <p:sldId id="262" r:id="rId8"/>
     <p:sldId id="263" r:id="rId9"/>
+    <p:sldId id="264" r:id="rId10"/>
+    <p:sldId id="265" r:id="rId11"/>
+    <p:sldId id="266" r:id="rId12"/>
   </p:sldIdLst>
   <p:sldSz cx="12192000" cy="6858000"/>
   <p:notesSz cx="6858000" cy="9144000"/>
@@ -266,7 +269,7 @@
           <a:p>
             <a:fld id="{52639CB7-E52C-FB42-90AE-E1E3C03686E9}" type="datetimeFigureOut">
               <a:rPr kumimoji="1" lang="zh-TW" altLang="en-US" smtClean="0"/>
-              <a:t>2025/12/27</a:t>
+              <a:t>2026/1/30</a:t>
             </a:fld>
             <a:endParaRPr kumimoji="1" lang="zh-TW" altLang="en-US"/>
           </a:p>
@@ -464,7 +467,7 @@
           <a:p>
             <a:fld id="{52639CB7-E52C-FB42-90AE-E1E3C03686E9}" type="datetimeFigureOut">
               <a:rPr kumimoji="1" lang="zh-TW" altLang="en-US" smtClean="0"/>
-              <a:t>2025/12/27</a:t>
+              <a:t>2026/1/30</a:t>
             </a:fld>
             <a:endParaRPr kumimoji="1" lang="zh-TW" altLang="en-US"/>
           </a:p>
@@ -672,7 +675,7 @@
           <a:p>
             <a:fld id="{52639CB7-E52C-FB42-90AE-E1E3C03686E9}" type="datetimeFigureOut">
               <a:rPr kumimoji="1" lang="zh-TW" altLang="en-US" smtClean="0"/>
-              <a:t>2025/12/27</a:t>
+              <a:t>2026/1/30</a:t>
             </a:fld>
             <a:endParaRPr kumimoji="1" lang="zh-TW" altLang="en-US"/>
           </a:p>
@@ -870,7 +873,7 @@
           <a:p>
             <a:fld id="{52639CB7-E52C-FB42-90AE-E1E3C03686E9}" type="datetimeFigureOut">
               <a:rPr kumimoji="1" lang="zh-TW" altLang="en-US" smtClean="0"/>
-              <a:t>2025/12/27</a:t>
+              <a:t>2026/1/30</a:t>
             </a:fld>
             <a:endParaRPr kumimoji="1" lang="zh-TW" altLang="en-US"/>
           </a:p>
@@ -1145,7 +1148,7 @@
           <a:p>
             <a:fld id="{52639CB7-E52C-FB42-90AE-E1E3C03686E9}" type="datetimeFigureOut">
               <a:rPr kumimoji="1" lang="zh-TW" altLang="en-US" smtClean="0"/>
-              <a:t>2025/12/27</a:t>
+              <a:t>2026/1/30</a:t>
             </a:fld>
             <a:endParaRPr kumimoji="1" lang="zh-TW" altLang="en-US"/>
           </a:p>
@@ -1410,7 +1413,7 @@
           <a:p>
             <a:fld id="{52639CB7-E52C-FB42-90AE-E1E3C03686E9}" type="datetimeFigureOut">
               <a:rPr kumimoji="1" lang="zh-TW" altLang="en-US" smtClean="0"/>
-              <a:t>2025/12/27</a:t>
+              <a:t>2026/1/30</a:t>
             </a:fld>
             <a:endParaRPr kumimoji="1" lang="zh-TW" altLang="en-US"/>
           </a:p>
@@ -1822,7 +1825,7 @@
           <a:p>
             <a:fld id="{52639CB7-E52C-FB42-90AE-E1E3C03686E9}" type="datetimeFigureOut">
               <a:rPr kumimoji="1" lang="zh-TW" altLang="en-US" smtClean="0"/>
-              <a:t>2025/12/27</a:t>
+              <a:t>2026/1/30</a:t>
             </a:fld>
             <a:endParaRPr kumimoji="1" lang="zh-TW" altLang="en-US"/>
           </a:p>
@@ -1963,7 +1966,7 @@
           <a:p>
             <a:fld id="{52639CB7-E52C-FB42-90AE-E1E3C03686E9}" type="datetimeFigureOut">
               <a:rPr kumimoji="1" lang="zh-TW" altLang="en-US" smtClean="0"/>
-              <a:t>2025/12/27</a:t>
+              <a:t>2026/1/30</a:t>
             </a:fld>
             <a:endParaRPr kumimoji="1" lang="zh-TW" altLang="en-US"/>
           </a:p>
@@ -2076,7 +2079,7 @@
           <a:p>
             <a:fld id="{52639CB7-E52C-FB42-90AE-E1E3C03686E9}" type="datetimeFigureOut">
               <a:rPr kumimoji="1" lang="zh-TW" altLang="en-US" smtClean="0"/>
-              <a:t>2025/12/27</a:t>
+              <a:t>2026/1/30</a:t>
             </a:fld>
             <a:endParaRPr kumimoji="1" lang="zh-TW" altLang="en-US"/>
           </a:p>
@@ -2387,7 +2390,7 @@
           <a:p>
             <a:fld id="{52639CB7-E52C-FB42-90AE-E1E3C03686E9}" type="datetimeFigureOut">
               <a:rPr kumimoji="1" lang="zh-TW" altLang="en-US" smtClean="0"/>
-              <a:t>2025/12/27</a:t>
+              <a:t>2026/1/30</a:t>
             </a:fld>
             <a:endParaRPr kumimoji="1" lang="zh-TW" altLang="en-US"/>
           </a:p>
@@ -2675,7 +2678,7 @@
           <a:p>
             <a:fld id="{52639CB7-E52C-FB42-90AE-E1E3C03686E9}" type="datetimeFigureOut">
               <a:rPr kumimoji="1" lang="zh-TW" altLang="en-US" smtClean="0"/>
-              <a:t>2025/12/27</a:t>
+              <a:t>2026/1/30</a:t>
             </a:fld>
             <a:endParaRPr kumimoji="1" lang="zh-TW" altLang="en-US"/>
           </a:p>
@@ -2916,7 +2919,7 @@
           <a:p>
             <a:fld id="{52639CB7-E52C-FB42-90AE-E1E3C03686E9}" type="datetimeFigureOut">
               <a:rPr kumimoji="1" lang="zh-TW" altLang="en-US" smtClean="0"/>
-              <a:t>2025/12/27</a:t>
+              <a:t>2026/1/30</a:t>
             </a:fld>
             <a:endParaRPr kumimoji="1" lang="zh-TW" altLang="en-US"/>
           </a:p>
@@ -3376,6 +3379,1280 @@
 </p:sld>
 </file>
 
+<file path=ppt/slides/slide10.xml><?xml version="1.0" encoding="utf-8"?>
+<p:sld xmlns:a="http://schemas.openxmlformats.org/drawingml/2006/main" xmlns:r="http://schemas.openxmlformats.org/officeDocument/2006/relationships" xmlns:p="http://schemas.openxmlformats.org/presentationml/2006/main">
+  <p:cSld>
+    <p:spTree>
+      <p:nvGrpSpPr>
+        <p:cNvPr id="1" name="">
+          <a:extLst>
+            <a:ext uri="{FF2B5EF4-FFF2-40B4-BE49-F238E27FC236}">
+              <a16:creationId xmlns:a16="http://schemas.microsoft.com/office/drawing/2014/main" id="{EB77DF63-ABD4-2A0D-92D3-CC945F75CDE5}"/>
+            </a:ext>
+          </a:extLst>
+        </p:cNvPr>
+        <p:cNvGrpSpPr/>
+        <p:nvPr/>
+      </p:nvGrpSpPr>
+      <p:grpSpPr>
+        <a:xfrm>
+          <a:off x="0" y="0"/>
+          <a:ext cx="0" cy="0"/>
+          <a:chOff x="0" y="0"/>
+          <a:chExt cx="0" cy="0"/>
+        </a:xfrm>
+      </p:grpSpPr>
+      <p:grpSp>
+        <p:nvGrpSpPr>
+          <p:cNvPr id="39" name="群組 38">
+            <a:extLst>
+              <a:ext uri="{FF2B5EF4-FFF2-40B4-BE49-F238E27FC236}">
+                <a16:creationId xmlns:a16="http://schemas.microsoft.com/office/drawing/2014/main" id="{72A7682F-F533-7956-389B-07030B94EA23}"/>
+              </a:ext>
+            </a:extLst>
+          </p:cNvPr>
+          <p:cNvGrpSpPr/>
+          <p:nvPr/>
+        </p:nvGrpSpPr>
+        <p:grpSpPr>
+          <a:xfrm>
+            <a:off x="589102" y="406130"/>
+            <a:ext cx="9007200" cy="6068472"/>
+            <a:chOff x="589102" y="406130"/>
+            <a:chExt cx="9007200" cy="6068472"/>
+          </a:xfrm>
+        </p:grpSpPr>
+        <p:grpSp>
+          <p:nvGrpSpPr>
+            <p:cNvPr id="37" name="群組 36">
+              <a:extLst>
+                <a:ext uri="{FF2B5EF4-FFF2-40B4-BE49-F238E27FC236}">
+                  <a16:creationId xmlns:a16="http://schemas.microsoft.com/office/drawing/2014/main" id="{9176BADB-1473-0051-F2F2-AA63CBFFDEE3}"/>
+                </a:ext>
+              </a:extLst>
+            </p:cNvPr>
+            <p:cNvGrpSpPr/>
+            <p:nvPr/>
+          </p:nvGrpSpPr>
+          <p:grpSpPr>
+            <a:xfrm>
+              <a:off x="3591502" y="3439802"/>
+              <a:ext cx="3002400" cy="3034800"/>
+              <a:chOff x="3591502" y="3439802"/>
+              <a:chExt cx="3002400" cy="3034800"/>
+            </a:xfrm>
+          </p:grpSpPr>
+          <p:sp>
+            <p:nvSpPr>
+              <p:cNvPr id="20" name="矩形 19">
+                <a:extLst>
+                  <a:ext uri="{FF2B5EF4-FFF2-40B4-BE49-F238E27FC236}">
+                    <a16:creationId xmlns:a16="http://schemas.microsoft.com/office/drawing/2014/main" id="{5C1C30C7-8AB8-5EE7-3F7A-54F5351CB8BB}"/>
+                  </a:ext>
+                </a:extLst>
+              </p:cNvPr>
+              <p:cNvSpPr/>
+              <p:nvPr/>
+            </p:nvSpPr>
+            <p:spPr>
+              <a:xfrm>
+                <a:off x="3591502" y="3439802"/>
+                <a:ext cx="3002400" cy="3034800"/>
+              </a:xfrm>
+              <a:prstGeom prst="rect">
+                <a:avLst/>
+              </a:prstGeom>
+              <a:gradFill flip="none" rotWithShape="1">
+                <a:gsLst>
+                  <a:gs pos="0">
+                    <a:srgbClr val="F48746"/>
+                  </a:gs>
+                  <a:gs pos="45000">
+                    <a:srgbClr val="F59741"/>
+                  </a:gs>
+                  <a:gs pos="100000">
+                    <a:srgbClr val="FFBC37"/>
+                  </a:gs>
+                </a:gsLst>
+                <a:lin ang="18900000" scaled="1"/>
+                <a:tileRect/>
+              </a:gradFill>
+              <a:ln w="38100">
+                <a:solidFill>
+                  <a:schemeClr val="bg1"/>
+                </a:solidFill>
+              </a:ln>
+            </p:spPr>
+            <p:style>
+              <a:lnRef idx="2">
+                <a:schemeClr val="accent1">
+                  <a:shade val="15000"/>
+                </a:schemeClr>
+              </a:lnRef>
+              <a:fillRef idx="1">
+                <a:schemeClr val="accent1"/>
+              </a:fillRef>
+              <a:effectRef idx="0">
+                <a:schemeClr val="accent1"/>
+              </a:effectRef>
+              <a:fontRef idx="minor">
+                <a:schemeClr val="lt1"/>
+              </a:fontRef>
+            </p:style>
+            <p:txBody>
+              <a:bodyPr rtlCol="0" anchor="ctr"/>
+              <a:lstStyle/>
+              <a:p>
+                <a:pPr algn="ctr"/>
+                <a:endParaRPr kumimoji="1" lang="zh-TW" altLang="en-US"/>
+              </a:p>
+            </p:txBody>
+          </p:sp>
+          <p:grpSp>
+            <p:nvGrpSpPr>
+              <p:cNvPr id="33" name="群組 32">
+                <a:extLst>
+                  <a:ext uri="{FF2B5EF4-FFF2-40B4-BE49-F238E27FC236}">
+                    <a16:creationId xmlns:a16="http://schemas.microsoft.com/office/drawing/2014/main" id="{C5294611-66F5-AD2E-2A89-C60038AB133C}"/>
+                  </a:ext>
+                </a:extLst>
+              </p:cNvPr>
+              <p:cNvGrpSpPr/>
+              <p:nvPr/>
+            </p:nvGrpSpPr>
+            <p:grpSpPr>
+              <a:xfrm>
+                <a:off x="4183487" y="3762836"/>
+                <a:ext cx="1800000" cy="2387215"/>
+                <a:chOff x="4183487" y="3762836"/>
+                <a:chExt cx="1800000" cy="2387215"/>
+              </a:xfrm>
+            </p:grpSpPr>
+            <p:pic>
+              <p:nvPicPr>
+                <p:cNvPr id="23" name="圖片 22" descr="一張含有 圖形, 字型, 符號, 圓形 的圖片&#10;&#10;AI 產生的內容可能不正確。">
+                  <a:extLst>
+                    <a:ext uri="{FF2B5EF4-FFF2-40B4-BE49-F238E27FC236}">
+                      <a16:creationId xmlns:a16="http://schemas.microsoft.com/office/drawing/2014/main" id="{CE614799-2E30-750C-EC7C-0103A76872D9}"/>
+                    </a:ext>
+                  </a:extLst>
+                </p:cNvPr>
+                <p:cNvPicPr>
+                  <a:picLocks noChangeAspect="1"/>
+                </p:cNvPicPr>
+                <p:nvPr/>
+              </p:nvPicPr>
+              <p:blipFill>
+                <a:blip r:embed="rId2"/>
+                <a:stretch>
+                  <a:fillRect/>
+                </a:stretch>
+              </p:blipFill>
+              <p:spPr>
+                <a:xfrm>
+                  <a:off x="4183487" y="3762836"/>
+                  <a:ext cx="1800000" cy="1800000"/>
+                </a:xfrm>
+                <a:prstGeom prst="rect">
+                  <a:avLst/>
+                </a:prstGeom>
+              </p:spPr>
+            </p:pic>
+            <p:sp>
+              <p:nvSpPr>
+                <p:cNvPr id="24" name="文字方塊 23">
+                  <a:extLst>
+                    <a:ext uri="{FF2B5EF4-FFF2-40B4-BE49-F238E27FC236}">
+                      <a16:creationId xmlns:a16="http://schemas.microsoft.com/office/drawing/2014/main" id="{4E0C5F67-07FC-A3C7-4A75-71F08F81FB2E}"/>
+                    </a:ext>
+                  </a:extLst>
+                </p:cNvPr>
+                <p:cNvSpPr txBox="1"/>
+                <p:nvPr/>
+              </p:nvSpPr>
+              <p:spPr>
+                <a:xfrm>
+                  <a:off x="4362777" y="5688386"/>
+                  <a:ext cx="1441420" cy="461665"/>
+                </a:xfrm>
+                <a:prstGeom prst="rect">
+                  <a:avLst/>
+                </a:prstGeom>
+                <a:noFill/>
+              </p:spPr>
+              <p:txBody>
+                <a:bodyPr wrap="none" rtlCol="0">
+                  <a:spAutoFit/>
+                </a:bodyPr>
+                <a:lstStyle/>
+                <a:p>
+                  <a:pPr algn="ctr"/>
+                  <a:r>
+                    <a:rPr kumimoji="1" lang="zh-TW" altLang="en-US" sz="2400" b="1" dirty="0">
+                      <a:solidFill>
+                        <a:schemeClr val="bg1"/>
+                      </a:solidFill>
+                      <a:latin typeface="Yuppy SC" panose="020F0603040207020204" pitchFamily="34" charset="-122"/>
+                      <a:ea typeface="Yuppy SC" panose="020F0603040207020204" pitchFamily="34" charset="-122"/>
+                      <a:cs typeface="Yuppy SC" panose="020F0603040207020204" pitchFamily="34" charset="-122"/>
+                    </a:rPr>
+                    <a:t>狀態查詢</a:t>
+                  </a:r>
+                </a:p>
+              </p:txBody>
+            </p:sp>
+          </p:grpSp>
+        </p:grpSp>
+        <p:grpSp>
+          <p:nvGrpSpPr>
+            <p:cNvPr id="35" name="群組 34">
+              <a:extLst>
+                <a:ext uri="{FF2B5EF4-FFF2-40B4-BE49-F238E27FC236}">
+                  <a16:creationId xmlns:a16="http://schemas.microsoft.com/office/drawing/2014/main" id="{1534D284-C913-8DBE-0BF8-D0D9E6BB2067}"/>
+                </a:ext>
+              </a:extLst>
+            </p:cNvPr>
+            <p:cNvGrpSpPr/>
+            <p:nvPr/>
+          </p:nvGrpSpPr>
+          <p:grpSpPr>
+            <a:xfrm>
+              <a:off x="589102" y="406130"/>
+              <a:ext cx="9000000" cy="3034800"/>
+              <a:chOff x="589102" y="406130"/>
+              <a:chExt cx="9000000" cy="3034800"/>
+            </a:xfrm>
+          </p:grpSpPr>
+          <p:sp>
+            <p:nvSpPr>
+              <p:cNvPr id="3" name="矩形 2">
+                <a:extLst>
+                  <a:ext uri="{FF2B5EF4-FFF2-40B4-BE49-F238E27FC236}">
+                    <a16:creationId xmlns:a16="http://schemas.microsoft.com/office/drawing/2014/main" id="{22D2C8DF-90A3-F504-FC8F-AA3697771BB6}"/>
+                  </a:ext>
+                </a:extLst>
+              </p:cNvPr>
+              <p:cNvSpPr/>
+              <p:nvPr/>
+            </p:nvSpPr>
+            <p:spPr>
+              <a:xfrm>
+                <a:off x="589102" y="406130"/>
+                <a:ext cx="9000000" cy="3034800"/>
+              </a:xfrm>
+              <a:prstGeom prst="rect">
+                <a:avLst/>
+              </a:prstGeom>
+              <a:gradFill flip="none" rotWithShape="1">
+                <a:gsLst>
+                  <a:gs pos="0">
+                    <a:srgbClr val="2E9CAD"/>
+                  </a:gs>
+                  <a:gs pos="50000">
+                    <a:srgbClr val="27ADA0"/>
+                  </a:gs>
+                  <a:gs pos="100000">
+                    <a:srgbClr val="1BC28F"/>
+                  </a:gs>
+                </a:gsLst>
+                <a:lin ang="18900000" scaled="1"/>
+                <a:tileRect/>
+              </a:gradFill>
+              <a:ln w="38100">
+                <a:solidFill>
+                  <a:schemeClr val="bg1"/>
+                </a:solidFill>
+              </a:ln>
+            </p:spPr>
+            <p:style>
+              <a:lnRef idx="2">
+                <a:schemeClr val="accent1">
+                  <a:shade val="15000"/>
+                </a:schemeClr>
+              </a:lnRef>
+              <a:fillRef idx="1">
+                <a:schemeClr val="accent1"/>
+              </a:fillRef>
+              <a:effectRef idx="0">
+                <a:schemeClr val="accent1"/>
+              </a:effectRef>
+              <a:fontRef idx="minor">
+                <a:schemeClr val="lt1"/>
+              </a:fontRef>
+            </p:style>
+            <p:txBody>
+              <a:bodyPr rtlCol="0" anchor="ctr"/>
+              <a:lstStyle/>
+              <a:p>
+                <a:pPr algn="ctr"/>
+                <a:endParaRPr kumimoji="1" lang="zh-TW" altLang="en-US"/>
+              </a:p>
+            </p:txBody>
+          </p:sp>
+          <p:grpSp>
+            <p:nvGrpSpPr>
+              <p:cNvPr id="28" name="群組 27">
+                <a:extLst>
+                  <a:ext uri="{FF2B5EF4-FFF2-40B4-BE49-F238E27FC236}">
+                    <a16:creationId xmlns:a16="http://schemas.microsoft.com/office/drawing/2014/main" id="{732208A8-B185-28BF-83E6-6A04697D8956}"/>
+                  </a:ext>
+                </a:extLst>
+              </p:cNvPr>
+              <p:cNvGrpSpPr/>
+              <p:nvPr/>
+            </p:nvGrpSpPr>
+            <p:grpSpPr>
+              <a:xfrm>
+                <a:off x="4032264" y="641474"/>
+                <a:ext cx="2102446" cy="2564112"/>
+                <a:chOff x="4032264" y="3584423"/>
+                <a:chExt cx="2102446" cy="2564112"/>
+              </a:xfrm>
+            </p:grpSpPr>
+            <p:pic>
+              <p:nvPicPr>
+                <p:cNvPr id="10" name="圖片 9" descr="一張含有 圓形, 圖形, 符號, 寫生 的圖片&#10;&#10;AI 產生的內容可能不正確。">
+                  <a:extLst>
+                    <a:ext uri="{FF2B5EF4-FFF2-40B4-BE49-F238E27FC236}">
+                      <a16:creationId xmlns:a16="http://schemas.microsoft.com/office/drawing/2014/main" id="{EEB0CBDD-3642-4660-081D-A5DDF4AADACF}"/>
+                    </a:ext>
+                  </a:extLst>
+                </p:cNvPr>
+                <p:cNvPicPr>
+                  <a:picLocks noChangeAspect="1"/>
+                </p:cNvPicPr>
+                <p:nvPr/>
+              </p:nvPicPr>
+              <p:blipFill>
+                <a:blip r:embed="rId3"/>
+                <a:stretch>
+                  <a:fillRect/>
+                </a:stretch>
+              </p:blipFill>
+              <p:spPr>
+                <a:xfrm>
+                  <a:off x="4032264" y="3584423"/>
+                  <a:ext cx="2102446" cy="2102447"/>
+                </a:xfrm>
+                <a:prstGeom prst="rect">
+                  <a:avLst/>
+                </a:prstGeom>
+              </p:spPr>
+            </p:pic>
+            <p:sp>
+              <p:nvSpPr>
+                <p:cNvPr id="11" name="文字方塊 10">
+                  <a:extLst>
+                    <a:ext uri="{FF2B5EF4-FFF2-40B4-BE49-F238E27FC236}">
+                      <a16:creationId xmlns:a16="http://schemas.microsoft.com/office/drawing/2014/main" id="{F4C2F367-3F4D-FE26-DB00-C38E82BACD0D}"/>
+                    </a:ext>
+                  </a:extLst>
+                </p:cNvPr>
+                <p:cNvSpPr txBox="1"/>
+                <p:nvPr/>
+              </p:nvSpPr>
+              <p:spPr>
+                <a:xfrm>
+                  <a:off x="4375601" y="5686870"/>
+                  <a:ext cx="1415773" cy="461665"/>
+                </a:xfrm>
+                <a:prstGeom prst="rect">
+                  <a:avLst/>
+                </a:prstGeom>
+                <a:noFill/>
+              </p:spPr>
+              <p:txBody>
+                <a:bodyPr wrap="none" rtlCol="0">
+                  <a:spAutoFit/>
+                </a:bodyPr>
+                <a:lstStyle/>
+                <a:p>
+                  <a:pPr algn="ctr"/>
+                  <a:r>
+                    <a:rPr kumimoji="1" lang="zh-TW" altLang="en-US" sz="2400" b="1" dirty="0">
+                      <a:solidFill>
+                        <a:schemeClr val="bg1"/>
+                      </a:solidFill>
+                      <a:latin typeface="Yuppy SC" panose="020F0603040207020204" pitchFamily="34" charset="-122"/>
+                      <a:ea typeface="Yuppy SC" panose="020F0603040207020204" pitchFamily="34" charset="-122"/>
+                      <a:cs typeface="Yuppy SC" panose="020F0603040207020204" pitchFamily="34" charset="-122"/>
+                    </a:rPr>
+                    <a:t>即時畫面</a:t>
+                  </a:r>
+                </a:p>
+              </p:txBody>
+            </p:sp>
+          </p:grpSp>
+        </p:grpSp>
+        <p:grpSp>
+          <p:nvGrpSpPr>
+            <p:cNvPr id="38" name="群組 37">
+              <a:extLst>
+                <a:ext uri="{FF2B5EF4-FFF2-40B4-BE49-F238E27FC236}">
+                  <a16:creationId xmlns:a16="http://schemas.microsoft.com/office/drawing/2014/main" id="{B631E1BB-420E-0778-3D43-E64069721DF5}"/>
+                </a:ext>
+              </a:extLst>
+            </p:cNvPr>
+            <p:cNvGrpSpPr/>
+            <p:nvPr/>
+          </p:nvGrpSpPr>
+          <p:grpSpPr>
+            <a:xfrm>
+              <a:off x="6593902" y="3439802"/>
+              <a:ext cx="3002400" cy="3034800"/>
+              <a:chOff x="6593902" y="3439802"/>
+              <a:chExt cx="3002400" cy="3034800"/>
+            </a:xfrm>
+          </p:grpSpPr>
+          <p:sp>
+            <p:nvSpPr>
+              <p:cNvPr id="17" name="矩形 16">
+                <a:extLst>
+                  <a:ext uri="{FF2B5EF4-FFF2-40B4-BE49-F238E27FC236}">
+                    <a16:creationId xmlns:a16="http://schemas.microsoft.com/office/drawing/2014/main" id="{F8756C6C-09C5-4774-FB81-9D946CC18DB7}"/>
+                  </a:ext>
+                </a:extLst>
+              </p:cNvPr>
+              <p:cNvSpPr/>
+              <p:nvPr/>
+            </p:nvSpPr>
+            <p:spPr>
+              <a:xfrm>
+                <a:off x="6593902" y="3439802"/>
+                <a:ext cx="3002400" cy="3034800"/>
+              </a:xfrm>
+              <a:prstGeom prst="rect">
+                <a:avLst/>
+              </a:prstGeom>
+              <a:gradFill>
+                <a:gsLst>
+                  <a:gs pos="0">
+                    <a:srgbClr val="FF101A"/>
+                  </a:gs>
+                  <a:gs pos="50000">
+                    <a:srgbClr val="FF8053"/>
+                  </a:gs>
+                  <a:gs pos="100000">
+                    <a:srgbClr val="F9A5AF"/>
+                  </a:gs>
+                </a:gsLst>
+                <a:lin ang="18900000" scaled="0"/>
+              </a:gradFill>
+              <a:ln w="38100">
+                <a:solidFill>
+                  <a:schemeClr val="bg1"/>
+                </a:solidFill>
+              </a:ln>
+            </p:spPr>
+            <p:style>
+              <a:lnRef idx="2">
+                <a:schemeClr val="accent1">
+                  <a:shade val="15000"/>
+                </a:schemeClr>
+              </a:lnRef>
+              <a:fillRef idx="1">
+                <a:schemeClr val="accent1"/>
+              </a:fillRef>
+              <a:effectRef idx="0">
+                <a:schemeClr val="accent1"/>
+              </a:effectRef>
+              <a:fontRef idx="minor">
+                <a:schemeClr val="lt1"/>
+              </a:fontRef>
+            </p:style>
+            <p:txBody>
+              <a:bodyPr rtlCol="0" anchor="ctr"/>
+              <a:lstStyle/>
+              <a:p>
+                <a:pPr algn="ctr"/>
+                <a:endParaRPr kumimoji="1" lang="zh-TW" altLang="en-US"/>
+              </a:p>
+            </p:txBody>
+          </p:sp>
+          <p:grpSp>
+            <p:nvGrpSpPr>
+              <p:cNvPr id="34" name="群組 33">
+                <a:extLst>
+                  <a:ext uri="{FF2B5EF4-FFF2-40B4-BE49-F238E27FC236}">
+                    <a16:creationId xmlns:a16="http://schemas.microsoft.com/office/drawing/2014/main" id="{DD8751A1-5E17-D18D-0B43-281D9A61C9C5}"/>
+                  </a:ext>
+                </a:extLst>
+              </p:cNvPr>
+              <p:cNvGrpSpPr/>
+              <p:nvPr/>
+            </p:nvGrpSpPr>
+            <p:grpSpPr>
+              <a:xfrm>
+                <a:off x="7007711" y="3764352"/>
+                <a:ext cx="2167581" cy="2385699"/>
+                <a:chOff x="7007711" y="3764352"/>
+                <a:chExt cx="2167581" cy="2385699"/>
+              </a:xfrm>
+            </p:grpSpPr>
+            <p:pic>
+              <p:nvPicPr>
+                <p:cNvPr id="26" name="圖片 25" descr="一張含有 符號, 圖形, 字型, 白色 的圖片&#10;&#10;AI 產生的內容可能不正確。">
+                  <a:extLst>
+                    <a:ext uri="{FF2B5EF4-FFF2-40B4-BE49-F238E27FC236}">
+                      <a16:creationId xmlns:a16="http://schemas.microsoft.com/office/drawing/2014/main" id="{5FA22048-A4BF-41EE-2232-52116C0E4B33}"/>
+                    </a:ext>
+                  </a:extLst>
+                </p:cNvPr>
+                <p:cNvPicPr>
+                  <a:picLocks noChangeAspect="1"/>
+                </p:cNvPicPr>
+                <p:nvPr/>
+              </p:nvPicPr>
+              <p:blipFill>
+                <a:blip r:embed="rId4"/>
+                <a:stretch>
+                  <a:fillRect/>
+                </a:stretch>
+              </p:blipFill>
+              <p:spPr>
+                <a:xfrm>
+                  <a:off x="7191493" y="3764352"/>
+                  <a:ext cx="1800000" cy="1800000"/>
+                </a:xfrm>
+                <a:prstGeom prst="rect">
+                  <a:avLst/>
+                </a:prstGeom>
+              </p:spPr>
+            </p:pic>
+            <p:sp>
+              <p:nvSpPr>
+                <p:cNvPr id="27" name="文字方塊 26">
+                  <a:extLst>
+                    <a:ext uri="{FF2B5EF4-FFF2-40B4-BE49-F238E27FC236}">
+                      <a16:creationId xmlns:a16="http://schemas.microsoft.com/office/drawing/2014/main" id="{F4AA94A5-B2E8-AEB6-F9AB-C133CF1031CE}"/>
+                    </a:ext>
+                  </a:extLst>
+                </p:cNvPr>
+                <p:cNvSpPr txBox="1"/>
+                <p:nvPr/>
+              </p:nvSpPr>
+              <p:spPr>
+                <a:xfrm>
+                  <a:off x="7007711" y="5688386"/>
+                  <a:ext cx="2167581" cy="461665"/>
+                </a:xfrm>
+                <a:prstGeom prst="rect">
+                  <a:avLst/>
+                </a:prstGeom>
+                <a:noFill/>
+              </p:spPr>
+              <p:txBody>
+                <a:bodyPr wrap="none" rtlCol="0">
+                  <a:spAutoFit/>
+                </a:bodyPr>
+                <a:lstStyle/>
+                <a:p>
+                  <a:pPr algn="ctr"/>
+                  <a:r>
+                    <a:rPr kumimoji="1" lang="zh-TW" altLang="en-US" sz="2400" b="1" dirty="0">
+                      <a:solidFill>
+                        <a:schemeClr val="bg1"/>
+                      </a:solidFill>
+                      <a:latin typeface="Yuppy SC" panose="020F0603040207020204" pitchFamily="34" charset="-122"/>
+                      <a:ea typeface="Yuppy SC" panose="020F0603040207020204" pitchFamily="34" charset="-122"/>
+                      <a:cs typeface="Yuppy SC" panose="020F0603040207020204" pitchFamily="34" charset="-122"/>
+                    </a:rPr>
+                    <a:t>開啟</a:t>
+                  </a:r>
+                  <a:r>
+                    <a:rPr kumimoji="1" lang="en-US" altLang="zh-TW" sz="2400" b="1" dirty="0">
+                      <a:solidFill>
+                        <a:schemeClr val="bg1"/>
+                      </a:solidFill>
+                      <a:latin typeface="Yuppy SC" panose="020F0603040207020204" pitchFamily="34" charset="-122"/>
+                      <a:ea typeface="Yuppy SC" panose="020F0603040207020204" pitchFamily="34" charset="-122"/>
+                      <a:cs typeface="Yuppy SC" panose="020F0603040207020204" pitchFamily="34" charset="-122"/>
+                    </a:rPr>
+                    <a:t>/</a:t>
+                  </a:r>
+                  <a:r>
+                    <a:rPr kumimoji="1" lang="zh-TW" altLang="en-US" sz="2400" b="1" dirty="0">
+                      <a:solidFill>
+                        <a:schemeClr val="bg1"/>
+                      </a:solidFill>
+                      <a:latin typeface="Yuppy SC" panose="020F0603040207020204" pitchFamily="34" charset="-122"/>
+                      <a:ea typeface="Yuppy SC" panose="020F0603040207020204" pitchFamily="34" charset="-122"/>
+                      <a:cs typeface="Yuppy SC" panose="020F0603040207020204" pitchFamily="34" charset="-122"/>
+                    </a:rPr>
+                    <a:t>關閉提醒</a:t>
+                  </a:r>
+                </a:p>
+              </p:txBody>
+            </p:sp>
+          </p:grpSp>
+        </p:grpSp>
+        <p:grpSp>
+          <p:nvGrpSpPr>
+            <p:cNvPr id="36" name="群組 35">
+              <a:extLst>
+                <a:ext uri="{FF2B5EF4-FFF2-40B4-BE49-F238E27FC236}">
+                  <a16:creationId xmlns:a16="http://schemas.microsoft.com/office/drawing/2014/main" id="{4C59F25A-7720-B86E-E593-08635725F587}"/>
+                </a:ext>
+              </a:extLst>
+            </p:cNvPr>
+            <p:cNvGrpSpPr/>
+            <p:nvPr/>
+          </p:nvGrpSpPr>
+          <p:grpSpPr>
+            <a:xfrm>
+              <a:off x="589102" y="3439802"/>
+              <a:ext cx="3002400" cy="3034800"/>
+              <a:chOff x="589102" y="3439802"/>
+              <a:chExt cx="3002400" cy="3034800"/>
+            </a:xfrm>
+          </p:grpSpPr>
+          <p:sp>
+            <p:nvSpPr>
+              <p:cNvPr id="16" name="矩形 15">
+                <a:extLst>
+                  <a:ext uri="{FF2B5EF4-FFF2-40B4-BE49-F238E27FC236}">
+                    <a16:creationId xmlns:a16="http://schemas.microsoft.com/office/drawing/2014/main" id="{38D1AE63-F326-9C97-F4BF-7313DE9024DC}"/>
+                  </a:ext>
+                </a:extLst>
+              </p:cNvPr>
+              <p:cNvSpPr/>
+              <p:nvPr/>
+            </p:nvSpPr>
+            <p:spPr>
+              <a:xfrm>
+                <a:off x="589102" y="3439802"/>
+                <a:ext cx="3002400" cy="3034800"/>
+              </a:xfrm>
+              <a:prstGeom prst="rect">
+                <a:avLst/>
+              </a:prstGeom>
+              <a:gradFill flip="none" rotWithShape="1">
+                <a:gsLst>
+                  <a:gs pos="0">
+                    <a:srgbClr val="7F61D8"/>
+                  </a:gs>
+                  <a:gs pos="50000">
+                    <a:srgbClr val="5878D4"/>
+                  </a:gs>
+                  <a:gs pos="100000">
+                    <a:srgbClr val="77B7E4"/>
+                  </a:gs>
+                </a:gsLst>
+                <a:lin ang="18900000" scaled="1"/>
+                <a:tileRect/>
+              </a:gradFill>
+              <a:ln w="38100">
+                <a:solidFill>
+                  <a:schemeClr val="bg1"/>
+                </a:solidFill>
+              </a:ln>
+            </p:spPr>
+            <p:style>
+              <a:lnRef idx="2">
+                <a:schemeClr val="accent1">
+                  <a:shade val="15000"/>
+                </a:schemeClr>
+              </a:lnRef>
+              <a:fillRef idx="1">
+                <a:schemeClr val="accent1"/>
+              </a:fillRef>
+              <a:effectRef idx="0">
+                <a:schemeClr val="accent1"/>
+              </a:effectRef>
+              <a:fontRef idx="minor">
+                <a:schemeClr val="lt1"/>
+              </a:fontRef>
+            </p:style>
+            <p:txBody>
+              <a:bodyPr rtlCol="0" anchor="ctr"/>
+              <a:lstStyle/>
+              <a:p>
+                <a:pPr algn="ctr"/>
+                <a:endParaRPr kumimoji="1" lang="zh-TW" altLang="en-US"/>
+              </a:p>
+            </p:txBody>
+          </p:sp>
+          <p:grpSp>
+            <p:nvGrpSpPr>
+              <p:cNvPr id="32" name="群組 31">
+                <a:extLst>
+                  <a:ext uri="{FF2B5EF4-FFF2-40B4-BE49-F238E27FC236}">
+                    <a16:creationId xmlns:a16="http://schemas.microsoft.com/office/drawing/2014/main" id="{DF19DE0F-722E-9B3B-F526-CDC166761E42}"/>
+                  </a:ext>
+                </a:extLst>
+              </p:cNvPr>
+              <p:cNvGrpSpPr/>
+              <p:nvPr/>
+            </p:nvGrpSpPr>
+            <p:grpSpPr>
+              <a:xfrm>
+                <a:off x="1190302" y="3762836"/>
+                <a:ext cx="1800000" cy="2387215"/>
+                <a:chOff x="1190302" y="3762836"/>
+                <a:chExt cx="1800000" cy="2387215"/>
+              </a:xfrm>
+            </p:grpSpPr>
+            <p:pic>
+              <p:nvPicPr>
+                <p:cNvPr id="30" name="圖片 29" descr="一張含有 圖形, 符號, 設計, 螢幕擷取畫面 的圖片&#10;&#10;AI 產生的內容可能不正確。">
+                  <a:extLst>
+                    <a:ext uri="{FF2B5EF4-FFF2-40B4-BE49-F238E27FC236}">
+                      <a16:creationId xmlns:a16="http://schemas.microsoft.com/office/drawing/2014/main" id="{CE52334D-292A-23D8-D25E-5057EE7B4933}"/>
+                    </a:ext>
+                  </a:extLst>
+                </p:cNvPr>
+                <p:cNvPicPr>
+                  <a:picLocks noChangeAspect="1"/>
+                </p:cNvPicPr>
+                <p:nvPr/>
+              </p:nvPicPr>
+              <p:blipFill>
+                <a:blip r:embed="rId5"/>
+                <a:stretch>
+                  <a:fillRect/>
+                </a:stretch>
+              </p:blipFill>
+              <p:spPr>
+                <a:xfrm>
+                  <a:off x="1190302" y="3762836"/>
+                  <a:ext cx="1800000" cy="1800000"/>
+                </a:xfrm>
+                <a:prstGeom prst="rect">
+                  <a:avLst/>
+                </a:prstGeom>
+              </p:spPr>
+            </p:pic>
+            <p:sp>
+              <p:nvSpPr>
+                <p:cNvPr id="31" name="文字方塊 30">
+                  <a:extLst>
+                    <a:ext uri="{FF2B5EF4-FFF2-40B4-BE49-F238E27FC236}">
+                      <a16:creationId xmlns:a16="http://schemas.microsoft.com/office/drawing/2014/main" id="{69BA0776-1C2A-E1ED-7FC7-DD38D8906CBF}"/>
+                    </a:ext>
+                  </a:extLst>
+                </p:cNvPr>
+                <p:cNvSpPr txBox="1"/>
+                <p:nvPr/>
+              </p:nvSpPr>
+              <p:spPr>
+                <a:xfrm>
+                  <a:off x="1536304" y="5688386"/>
+                  <a:ext cx="1107996" cy="461665"/>
+                </a:xfrm>
+                <a:prstGeom prst="rect">
+                  <a:avLst/>
+                </a:prstGeom>
+                <a:noFill/>
+              </p:spPr>
+              <p:txBody>
+                <a:bodyPr wrap="none" rtlCol="0">
+                  <a:spAutoFit/>
+                </a:bodyPr>
+                <a:lstStyle/>
+                <a:p>
+                  <a:pPr algn="ctr"/>
+                  <a:r>
+                    <a:rPr kumimoji="1" lang="zh-TW" altLang="en-US" sz="2400" b="1" dirty="0">
+                      <a:solidFill>
+                        <a:schemeClr val="bg1"/>
+                      </a:solidFill>
+                      <a:latin typeface="Yuppy SC" panose="020F0603040207020204" pitchFamily="34" charset="-122"/>
+                      <a:ea typeface="Yuppy SC" panose="020F0603040207020204" pitchFamily="34" charset="-122"/>
+                      <a:cs typeface="Yuppy SC" panose="020F0603040207020204" pitchFamily="34" charset="-122"/>
+                    </a:rPr>
+                    <a:t>儀表板</a:t>
+                  </a:r>
+                </a:p>
+              </p:txBody>
+            </p:sp>
+          </p:grpSp>
+        </p:grpSp>
+      </p:grpSp>
+    </p:spTree>
+    <p:extLst>
+      <p:ext uri="{BB962C8B-B14F-4D97-AF65-F5344CB8AC3E}">
+        <p14:creationId xmlns:p14="http://schemas.microsoft.com/office/powerpoint/2010/main" val="1216118294"/>
+      </p:ext>
+    </p:extLst>
+  </p:cSld>
+  <p:clrMapOvr>
+    <a:masterClrMapping/>
+  </p:clrMapOvr>
+</p:sld>
+</file>
+
+<file path=ppt/slides/slide11.xml><?xml version="1.0" encoding="utf-8"?>
+<p:sld xmlns:a="http://schemas.openxmlformats.org/drawingml/2006/main" xmlns:r="http://schemas.openxmlformats.org/officeDocument/2006/relationships" xmlns:p="http://schemas.openxmlformats.org/presentationml/2006/main">
+  <p:cSld>
+    <p:spTree>
+      <p:nvGrpSpPr>
+        <p:cNvPr id="1" name="">
+          <a:extLst>
+            <a:ext uri="{FF2B5EF4-FFF2-40B4-BE49-F238E27FC236}">
+              <a16:creationId xmlns:a16="http://schemas.microsoft.com/office/drawing/2014/main" id="{3535E3F9-3EBA-70A3-40DA-75DCE6DE57A8}"/>
+            </a:ext>
+          </a:extLst>
+        </p:cNvPr>
+        <p:cNvGrpSpPr/>
+        <p:nvPr/>
+      </p:nvGrpSpPr>
+      <p:grpSpPr>
+        <a:xfrm>
+          <a:off x="0" y="0"/>
+          <a:ext cx="0" cy="0"/>
+          <a:chOff x="0" y="0"/>
+          <a:chExt cx="0" cy="0"/>
+        </a:xfrm>
+      </p:grpSpPr>
+      <p:grpSp>
+        <p:nvGrpSpPr>
+          <p:cNvPr id="9" name="群組 8">
+            <a:extLst>
+              <a:ext uri="{FF2B5EF4-FFF2-40B4-BE49-F238E27FC236}">
+                <a16:creationId xmlns:a16="http://schemas.microsoft.com/office/drawing/2014/main" id="{DB786003-D013-E221-96D4-2DF34CA74DE3}"/>
+              </a:ext>
+            </a:extLst>
+          </p:cNvPr>
+          <p:cNvGrpSpPr/>
+          <p:nvPr/>
+        </p:nvGrpSpPr>
+        <p:grpSpPr>
+          <a:xfrm>
+            <a:off x="1963872" y="1395486"/>
+            <a:ext cx="3251031" cy="4059828"/>
+            <a:chOff x="1632702" y="1335420"/>
+            <a:chExt cx="1800000" cy="2247807"/>
+          </a:xfrm>
+        </p:grpSpPr>
+        <p:pic>
+          <p:nvPicPr>
+            <p:cNvPr id="10" name="圖片 9" descr="一張含有 圓形, 圖形, 符號, 寫生 的圖片&#10;&#10;AI 產生的內容可能不正確。">
+              <a:extLst>
+                <a:ext uri="{FF2B5EF4-FFF2-40B4-BE49-F238E27FC236}">
+                  <a16:creationId xmlns:a16="http://schemas.microsoft.com/office/drawing/2014/main" id="{C30287BB-B2A5-947A-448E-A2E04B9A5027}"/>
+                </a:ext>
+              </a:extLst>
+            </p:cNvPr>
+            <p:cNvPicPr>
+              <a:picLocks noChangeAspect="1"/>
+            </p:cNvPicPr>
+            <p:nvPr/>
+          </p:nvPicPr>
+          <p:blipFill>
+            <a:blip r:embed="rId2"/>
+            <a:stretch>
+              <a:fillRect/>
+            </a:stretch>
+          </p:blipFill>
+          <p:spPr>
+            <a:xfrm>
+              <a:off x="1632702" y="1335420"/>
+              <a:ext cx="1800000" cy="1800000"/>
+            </a:xfrm>
+            <a:prstGeom prst="rect">
+              <a:avLst/>
+            </a:prstGeom>
+          </p:spPr>
+        </p:pic>
+        <p:sp>
+          <p:nvSpPr>
+            <p:cNvPr id="11" name="文字方塊 10">
+              <a:extLst>
+                <a:ext uri="{FF2B5EF4-FFF2-40B4-BE49-F238E27FC236}">
+                  <a16:creationId xmlns:a16="http://schemas.microsoft.com/office/drawing/2014/main" id="{76D575FD-9247-8EC8-7C2B-C83D5EF32DD5}"/>
+                </a:ext>
+              </a:extLst>
+            </p:cNvPr>
+            <p:cNvSpPr txBox="1"/>
+            <p:nvPr/>
+          </p:nvSpPr>
+          <p:spPr>
+            <a:xfrm>
+              <a:off x="2018290" y="3259454"/>
+              <a:ext cx="1028831" cy="323773"/>
+            </a:xfrm>
+            <a:prstGeom prst="rect">
+              <a:avLst/>
+            </a:prstGeom>
+            <a:noFill/>
+          </p:spPr>
+          <p:txBody>
+            <a:bodyPr wrap="none" rtlCol="0">
+              <a:spAutoFit/>
+            </a:bodyPr>
+            <a:lstStyle/>
+            <a:p>
+              <a:pPr algn="ctr"/>
+              <a:r>
+                <a:rPr kumimoji="1" lang="zh-TW" altLang="en-US" sz="3200" b="1" dirty="0">
+                  <a:solidFill>
+                    <a:schemeClr val="bg1"/>
+                  </a:solidFill>
+                  <a:latin typeface="Yuppy SC" panose="020F0603040207020204" pitchFamily="34" charset="-122"/>
+                  <a:ea typeface="Yuppy SC" panose="020F0603040207020204" pitchFamily="34" charset="-122"/>
+                  <a:cs typeface="Yuppy SC" panose="020F0603040207020204" pitchFamily="34" charset="-122"/>
+                </a:rPr>
+                <a:t>即時畫面</a:t>
+              </a:r>
+            </a:p>
+          </p:txBody>
+        </p:sp>
+      </p:grpSp>
+      <p:sp>
+        <p:nvSpPr>
+          <p:cNvPr id="2" name="矩形 1">
+            <a:extLst>
+              <a:ext uri="{FF2B5EF4-FFF2-40B4-BE49-F238E27FC236}">
+                <a16:creationId xmlns:a16="http://schemas.microsoft.com/office/drawing/2014/main" id="{341210A0-687C-3E61-520D-899A4B6DC53C}"/>
+              </a:ext>
+            </a:extLst>
+          </p:cNvPr>
+          <p:cNvSpPr/>
+          <p:nvPr/>
+        </p:nvSpPr>
+        <p:spPr>
+          <a:xfrm>
+            <a:off x="6586072" y="390600"/>
+            <a:ext cx="3002400" cy="3034800"/>
+          </a:xfrm>
+          <a:prstGeom prst="rect">
+            <a:avLst/>
+          </a:prstGeom>
+          <a:gradFill flip="none" rotWithShape="1">
+            <a:gsLst>
+              <a:gs pos="0">
+                <a:srgbClr val="7F61D8"/>
+              </a:gs>
+              <a:gs pos="50000">
+                <a:srgbClr val="5878D4"/>
+              </a:gs>
+              <a:gs pos="100000">
+                <a:srgbClr val="2B98DB"/>
+              </a:gs>
+            </a:gsLst>
+            <a:lin ang="18900000" scaled="1"/>
+            <a:tileRect/>
+          </a:gradFill>
+          <a:ln w="38100">
+            <a:solidFill>
+              <a:schemeClr val="bg1"/>
+            </a:solidFill>
+          </a:ln>
+        </p:spPr>
+        <p:style>
+          <a:lnRef idx="2">
+            <a:schemeClr val="accent1">
+              <a:shade val="15000"/>
+            </a:schemeClr>
+          </a:lnRef>
+          <a:fillRef idx="1">
+            <a:schemeClr val="accent1"/>
+          </a:fillRef>
+          <a:effectRef idx="0">
+            <a:schemeClr val="accent1"/>
+          </a:effectRef>
+          <a:fontRef idx="minor">
+            <a:schemeClr val="lt1"/>
+          </a:fontRef>
+        </p:style>
+        <p:txBody>
+          <a:bodyPr rtlCol="0" anchor="ctr"/>
+          <a:lstStyle/>
+          <a:p>
+            <a:pPr algn="ctr"/>
+            <a:endParaRPr kumimoji="1" lang="zh-TW" altLang="en-US"/>
+          </a:p>
+        </p:txBody>
+      </p:sp>
+      <p:grpSp>
+        <p:nvGrpSpPr>
+          <p:cNvPr id="4" name="群組 3">
+            <a:extLst>
+              <a:ext uri="{FF2B5EF4-FFF2-40B4-BE49-F238E27FC236}">
+                <a16:creationId xmlns:a16="http://schemas.microsoft.com/office/drawing/2014/main" id="{75B45939-12AF-E1A1-F7C1-574533E1FBDC}"/>
+              </a:ext>
+            </a:extLst>
+          </p:cNvPr>
+          <p:cNvGrpSpPr/>
+          <p:nvPr/>
+        </p:nvGrpSpPr>
+        <p:grpSpPr>
+          <a:xfrm>
+            <a:off x="7174672" y="827899"/>
+            <a:ext cx="1800000" cy="2385699"/>
+            <a:chOff x="3559800" y="1196947"/>
+            <a:chExt cx="1800000" cy="2385699"/>
+          </a:xfrm>
+        </p:grpSpPr>
+        <p:pic>
+          <p:nvPicPr>
+            <p:cNvPr id="5" name="圖片 4" descr="一張含有 圖形, 字型, 符號, 圓形 的圖片&#10;&#10;AI 產生的內容可能不正確。">
+              <a:extLst>
+                <a:ext uri="{FF2B5EF4-FFF2-40B4-BE49-F238E27FC236}">
+                  <a16:creationId xmlns:a16="http://schemas.microsoft.com/office/drawing/2014/main" id="{C1ED9A0D-392C-EBEF-7B26-C84E95706E8C}"/>
+                </a:ext>
+              </a:extLst>
+            </p:cNvPr>
+            <p:cNvPicPr>
+              <a:picLocks noChangeAspect="1"/>
+            </p:cNvPicPr>
+            <p:nvPr/>
+          </p:nvPicPr>
+          <p:blipFill>
+            <a:blip r:embed="rId3"/>
+            <a:stretch>
+              <a:fillRect/>
+            </a:stretch>
+          </p:blipFill>
+          <p:spPr>
+            <a:xfrm>
+              <a:off x="3559800" y="1196947"/>
+              <a:ext cx="1800000" cy="1800000"/>
+            </a:xfrm>
+            <a:prstGeom prst="rect">
+              <a:avLst/>
+            </a:prstGeom>
+          </p:spPr>
+        </p:pic>
+        <p:sp>
+          <p:nvSpPr>
+            <p:cNvPr id="6" name="文字方塊 5">
+              <a:extLst>
+                <a:ext uri="{FF2B5EF4-FFF2-40B4-BE49-F238E27FC236}">
+                  <a16:creationId xmlns:a16="http://schemas.microsoft.com/office/drawing/2014/main" id="{8D3A359A-2887-7315-C0BB-F815D9886C5A}"/>
+                </a:ext>
+              </a:extLst>
+            </p:cNvPr>
+            <p:cNvSpPr txBox="1"/>
+            <p:nvPr/>
+          </p:nvSpPr>
+          <p:spPr>
+            <a:xfrm>
+              <a:off x="3739090" y="3120981"/>
+              <a:ext cx="1441420" cy="461665"/>
+            </a:xfrm>
+            <a:prstGeom prst="rect">
+              <a:avLst/>
+            </a:prstGeom>
+            <a:noFill/>
+          </p:spPr>
+          <p:txBody>
+            <a:bodyPr wrap="none" rtlCol="0">
+              <a:spAutoFit/>
+            </a:bodyPr>
+            <a:lstStyle/>
+            <a:p>
+              <a:pPr algn="ctr"/>
+              <a:r>
+                <a:rPr kumimoji="1" lang="zh-TW" altLang="en-US" sz="2400" b="1" dirty="0">
+                  <a:solidFill>
+                    <a:schemeClr val="bg1"/>
+                  </a:solidFill>
+                  <a:latin typeface="Yuppy SC" panose="020F0603040207020204" pitchFamily="34" charset="-122"/>
+                  <a:ea typeface="Yuppy SC" panose="020F0603040207020204" pitchFamily="34" charset="-122"/>
+                  <a:cs typeface="Yuppy SC" panose="020F0603040207020204" pitchFamily="34" charset="-122"/>
+                </a:rPr>
+                <a:t>狀態查詢</a:t>
+              </a:r>
+            </a:p>
+          </p:txBody>
+        </p:sp>
+      </p:grpSp>
+      <p:sp>
+        <p:nvSpPr>
+          <p:cNvPr id="7" name="矩形 6">
+            <a:extLst>
+              <a:ext uri="{FF2B5EF4-FFF2-40B4-BE49-F238E27FC236}">
+                <a16:creationId xmlns:a16="http://schemas.microsoft.com/office/drawing/2014/main" id="{108FABB7-4CAE-0DE7-1711-2C42278B28B8}"/>
+              </a:ext>
+            </a:extLst>
+          </p:cNvPr>
+          <p:cNvSpPr/>
+          <p:nvPr/>
+        </p:nvSpPr>
+        <p:spPr>
+          <a:xfrm>
+            <a:off x="6586072" y="3429000"/>
+            <a:ext cx="3002400" cy="3034800"/>
+          </a:xfrm>
+          <a:prstGeom prst="rect">
+            <a:avLst/>
+          </a:prstGeom>
+          <a:gradFill flip="none" rotWithShape="1">
+            <a:gsLst>
+              <a:gs pos="0">
+                <a:srgbClr val="F48746"/>
+              </a:gs>
+              <a:gs pos="45000">
+                <a:srgbClr val="F59741"/>
+              </a:gs>
+              <a:gs pos="100000">
+                <a:srgbClr val="FFBC37"/>
+              </a:gs>
+            </a:gsLst>
+            <a:lin ang="18900000" scaled="1"/>
+            <a:tileRect/>
+          </a:gradFill>
+          <a:ln w="38100">
+            <a:solidFill>
+              <a:schemeClr val="bg1"/>
+            </a:solidFill>
+          </a:ln>
+        </p:spPr>
+        <p:style>
+          <a:lnRef idx="2">
+            <a:schemeClr val="accent1">
+              <a:shade val="15000"/>
+            </a:schemeClr>
+          </a:lnRef>
+          <a:fillRef idx="1">
+            <a:schemeClr val="accent1"/>
+          </a:fillRef>
+          <a:effectRef idx="0">
+            <a:schemeClr val="accent1"/>
+          </a:effectRef>
+          <a:fontRef idx="minor">
+            <a:schemeClr val="lt1"/>
+          </a:fontRef>
+        </p:style>
+        <p:txBody>
+          <a:bodyPr rtlCol="0" anchor="ctr"/>
+          <a:lstStyle/>
+          <a:p>
+            <a:pPr algn="ctr"/>
+            <a:endParaRPr kumimoji="1" lang="zh-TW" altLang="en-US"/>
+          </a:p>
+        </p:txBody>
+      </p:sp>
+      <p:grpSp>
+        <p:nvGrpSpPr>
+          <p:cNvPr id="8" name="群組 7">
+            <a:extLst>
+              <a:ext uri="{FF2B5EF4-FFF2-40B4-BE49-F238E27FC236}">
+                <a16:creationId xmlns:a16="http://schemas.microsoft.com/office/drawing/2014/main" id="{BB839348-2888-EE6A-25B1-DDE2CC315688}"/>
+              </a:ext>
+            </a:extLst>
+          </p:cNvPr>
+          <p:cNvGrpSpPr/>
+          <p:nvPr/>
+        </p:nvGrpSpPr>
+        <p:grpSpPr>
+          <a:xfrm>
+            <a:off x="7003490" y="3753550"/>
+            <a:ext cx="2167581" cy="2385699"/>
+            <a:chOff x="7752290" y="3817800"/>
+            <a:chExt cx="2167581" cy="2385699"/>
+          </a:xfrm>
+        </p:grpSpPr>
+        <p:pic>
+          <p:nvPicPr>
+            <p:cNvPr id="12" name="圖片 11" descr="一張含有 符號, 圖形, 字型, 白色 的圖片&#10;&#10;AI 產生的內容可能不正確。">
+              <a:extLst>
+                <a:ext uri="{FF2B5EF4-FFF2-40B4-BE49-F238E27FC236}">
+                  <a16:creationId xmlns:a16="http://schemas.microsoft.com/office/drawing/2014/main" id="{A6B95C89-8E09-99AB-2895-1884028A118F}"/>
+                </a:ext>
+              </a:extLst>
+            </p:cNvPr>
+            <p:cNvPicPr>
+              <a:picLocks noChangeAspect="1"/>
+            </p:cNvPicPr>
+            <p:nvPr/>
+          </p:nvPicPr>
+          <p:blipFill>
+            <a:blip r:embed="rId4"/>
+            <a:stretch>
+              <a:fillRect/>
+            </a:stretch>
+          </p:blipFill>
+          <p:spPr>
+            <a:xfrm>
+              <a:off x="7936072" y="3817800"/>
+              <a:ext cx="1800000" cy="1800000"/>
+            </a:xfrm>
+            <a:prstGeom prst="rect">
+              <a:avLst/>
+            </a:prstGeom>
+          </p:spPr>
+        </p:pic>
+        <p:sp>
+          <p:nvSpPr>
+            <p:cNvPr id="13" name="文字方塊 12">
+              <a:extLst>
+                <a:ext uri="{FF2B5EF4-FFF2-40B4-BE49-F238E27FC236}">
+                  <a16:creationId xmlns:a16="http://schemas.microsoft.com/office/drawing/2014/main" id="{EE1ABC82-87AF-ACA9-3042-046AC8467099}"/>
+                </a:ext>
+              </a:extLst>
+            </p:cNvPr>
+            <p:cNvSpPr txBox="1"/>
+            <p:nvPr/>
+          </p:nvSpPr>
+          <p:spPr>
+            <a:xfrm>
+              <a:off x="7752290" y="5741834"/>
+              <a:ext cx="2167581" cy="461665"/>
+            </a:xfrm>
+            <a:prstGeom prst="rect">
+              <a:avLst/>
+            </a:prstGeom>
+            <a:noFill/>
+          </p:spPr>
+          <p:txBody>
+            <a:bodyPr wrap="none" rtlCol="0">
+              <a:spAutoFit/>
+            </a:bodyPr>
+            <a:lstStyle/>
+            <a:p>
+              <a:pPr algn="ctr"/>
+              <a:r>
+                <a:rPr kumimoji="1" lang="zh-TW" altLang="en-US" sz="2400" b="1" dirty="0">
+                  <a:solidFill>
+                    <a:schemeClr val="bg1"/>
+                  </a:solidFill>
+                  <a:latin typeface="Yuppy SC" panose="020F0603040207020204" pitchFamily="34" charset="-122"/>
+                  <a:ea typeface="Yuppy SC" panose="020F0603040207020204" pitchFamily="34" charset="-122"/>
+                  <a:cs typeface="Yuppy SC" panose="020F0603040207020204" pitchFamily="34" charset="-122"/>
+                </a:rPr>
+                <a:t>開啟</a:t>
+              </a:r>
+              <a:r>
+                <a:rPr kumimoji="1" lang="en-US" altLang="zh-TW" sz="2400" b="1" dirty="0">
+                  <a:solidFill>
+                    <a:schemeClr val="bg1"/>
+                  </a:solidFill>
+                  <a:latin typeface="Yuppy SC" panose="020F0603040207020204" pitchFamily="34" charset="-122"/>
+                  <a:ea typeface="Yuppy SC" panose="020F0603040207020204" pitchFamily="34" charset="-122"/>
+                  <a:cs typeface="Yuppy SC" panose="020F0603040207020204" pitchFamily="34" charset="-122"/>
+                </a:rPr>
+                <a:t>/</a:t>
+              </a:r>
+              <a:r>
+                <a:rPr kumimoji="1" lang="zh-TW" altLang="en-US" sz="2400" b="1" dirty="0">
+                  <a:solidFill>
+                    <a:schemeClr val="bg1"/>
+                  </a:solidFill>
+                  <a:latin typeface="Yuppy SC" panose="020F0603040207020204" pitchFamily="34" charset="-122"/>
+                  <a:ea typeface="Yuppy SC" panose="020F0603040207020204" pitchFamily="34" charset="-122"/>
+                  <a:cs typeface="Yuppy SC" panose="020F0603040207020204" pitchFamily="34" charset="-122"/>
+                </a:rPr>
+                <a:t>關閉提醒</a:t>
+              </a:r>
+            </a:p>
+          </p:txBody>
+        </p:sp>
+      </p:grpSp>
+    </p:spTree>
+    <p:extLst>
+      <p:ext uri="{BB962C8B-B14F-4D97-AF65-F5344CB8AC3E}">
+        <p14:creationId xmlns:p14="http://schemas.microsoft.com/office/powerpoint/2010/main" val="2300038072"/>
+      </p:ext>
+    </p:extLst>
+  </p:cSld>
+  <p:clrMapOvr>
+    <a:masterClrMapping/>
+  </p:clrMapOvr>
+</p:sld>
+</file>
+
 <file path=ppt/slides/slide2.xml><?xml version="1.0" encoding="utf-8"?>
 <p:sld xmlns:a="http://schemas.openxmlformats.org/drawingml/2006/main" xmlns:r="http://schemas.openxmlformats.org/officeDocument/2006/relationships" xmlns:p="http://schemas.openxmlformats.org/presentationml/2006/main">
   <p:cSld>
@@ -4402,10 +5679,10 @@
       </p:grpSpPr>
       <p:grpSp>
         <p:nvGrpSpPr>
-          <p:cNvPr id="16" name="群組 15">
-            <a:extLst>
-              <a:ext uri="{FF2B5EF4-FFF2-40B4-BE49-F238E27FC236}">
-                <a16:creationId xmlns:a16="http://schemas.microsoft.com/office/drawing/2014/main" id="{850A3685-C9E5-9DF3-8E0D-233BD0E826D7}"/>
+          <p:cNvPr id="6" name="群組 5">
+            <a:extLst>
+              <a:ext uri="{FF2B5EF4-FFF2-40B4-BE49-F238E27FC236}">
+                <a16:creationId xmlns:a16="http://schemas.microsoft.com/office/drawing/2014/main" id="{CD0D1BA0-1627-1CC5-825C-E906C0F8B447}"/>
               </a:ext>
             </a:extLst>
           </p:cNvPr>
@@ -4422,10 +5699,10 @@
         </p:grpSpPr>
         <p:sp>
           <p:nvSpPr>
-            <p:cNvPr id="12" name="矩形 11">
+            <p:cNvPr id="11" name="矩形 10">
               <a:extLst>
                 <a:ext uri="{FF2B5EF4-FFF2-40B4-BE49-F238E27FC236}">
-                  <a16:creationId xmlns:a16="http://schemas.microsoft.com/office/drawing/2014/main" id="{7750806D-26F8-179B-214E-7001DD50FC5D}"/>
+                  <a16:creationId xmlns:a16="http://schemas.microsoft.com/office/drawing/2014/main" id="{CFF366F5-9C82-3137-86C7-26B038FF2F3B}"/>
                 </a:ext>
               </a:extLst>
             </p:cNvPr>
@@ -4488,10 +5765,10 @@
         </p:sp>
         <p:sp>
           <p:nvSpPr>
-            <p:cNvPr id="2" name="矩形 1">
+            <p:cNvPr id="17" name="矩形 16">
               <a:extLst>
                 <a:ext uri="{FF2B5EF4-FFF2-40B4-BE49-F238E27FC236}">
-                  <a16:creationId xmlns:a16="http://schemas.microsoft.com/office/drawing/2014/main" id="{17464F8E-8889-3368-7435-7A96F829AA8A}"/>
+                  <a16:creationId xmlns:a16="http://schemas.microsoft.com/office/drawing/2014/main" id="{54FEB59B-2C6F-9E77-0CCF-27A3FD4BF49E}"/>
                 </a:ext>
               </a:extLst>
             </p:cNvPr>
@@ -4554,10 +5831,10 @@
         </p:sp>
         <p:grpSp>
           <p:nvGrpSpPr>
-            <p:cNvPr id="3" name="群組 2">
+            <p:cNvPr id="18" name="群組 17">
               <a:extLst>
                 <a:ext uri="{FF2B5EF4-FFF2-40B4-BE49-F238E27FC236}">
-                  <a16:creationId xmlns:a16="http://schemas.microsoft.com/office/drawing/2014/main" id="{36B89182-3616-DA87-F65E-212FE9237666}"/>
+                  <a16:creationId xmlns:a16="http://schemas.microsoft.com/office/drawing/2014/main" id="{CC6138FD-8E7D-FFA9-260C-15656A63A0F8}"/>
                 </a:ext>
               </a:extLst>
             </p:cNvPr>
@@ -4574,10 +5851,10 @@
           </p:grpSpPr>
           <p:pic>
             <p:nvPicPr>
-              <p:cNvPr id="4" name="圖片 3" descr="一張含有 圖形, 字型, 符號, 圓形 的圖片&#10;&#10;AI 產生的內容可能不正確。">
+              <p:cNvPr id="26" name="圖片 25" descr="一張含有 圖形, 字型, 符號, 圓形 的圖片&#10;&#10;AI 產生的內容可能不正確。">
                 <a:extLst>
                   <a:ext uri="{FF2B5EF4-FFF2-40B4-BE49-F238E27FC236}">
-                    <a16:creationId xmlns:a16="http://schemas.microsoft.com/office/drawing/2014/main" id="{C0BCB16F-AF8F-A7A3-117F-E1C41C2D90E2}"/>
+                    <a16:creationId xmlns:a16="http://schemas.microsoft.com/office/drawing/2014/main" id="{984D945A-0EB2-99DF-4855-81DAA643FD81}"/>
                   </a:ext>
                 </a:extLst>
               </p:cNvPr>
@@ -4604,10 +5881,10 @@
           </p:pic>
           <p:sp>
             <p:nvSpPr>
-              <p:cNvPr id="5" name="文字方塊 4">
+              <p:cNvPr id="27" name="文字方塊 26">
                 <a:extLst>
                   <a:ext uri="{FF2B5EF4-FFF2-40B4-BE49-F238E27FC236}">
-                    <a16:creationId xmlns:a16="http://schemas.microsoft.com/office/drawing/2014/main" id="{9A8B11C8-1273-39BC-6390-A44CFE3FB6E5}"/>
+                    <a16:creationId xmlns:a16="http://schemas.microsoft.com/office/drawing/2014/main" id="{746BE1F6-56B9-15D6-E53E-7600A63026A6}"/>
                   </a:ext>
                 </a:extLst>
               </p:cNvPr>
@@ -4648,10 +5925,10 @@
         </p:grpSp>
         <p:sp>
           <p:nvSpPr>
-            <p:cNvPr id="7" name="矩形 6">
+            <p:cNvPr id="19" name="矩形 18">
               <a:extLst>
                 <a:ext uri="{FF2B5EF4-FFF2-40B4-BE49-F238E27FC236}">
-                  <a16:creationId xmlns:a16="http://schemas.microsoft.com/office/drawing/2014/main" id="{7A3342D7-C2E8-6CE5-FD0F-7CA362CD2B02}"/>
+                  <a16:creationId xmlns:a16="http://schemas.microsoft.com/office/drawing/2014/main" id="{1B987C64-6D8B-9EAF-BCD1-30C08C9BADB3}"/>
                 </a:ext>
               </a:extLst>
             </p:cNvPr>
@@ -4714,10 +5991,10 @@
         </p:sp>
         <p:grpSp>
           <p:nvGrpSpPr>
-            <p:cNvPr id="10" name="群組 9">
+            <p:cNvPr id="20" name="群組 19">
               <a:extLst>
                 <a:ext uri="{FF2B5EF4-FFF2-40B4-BE49-F238E27FC236}">
-                  <a16:creationId xmlns:a16="http://schemas.microsoft.com/office/drawing/2014/main" id="{53354BC6-50A6-15BD-9650-423253E1B648}"/>
+                  <a16:creationId xmlns:a16="http://schemas.microsoft.com/office/drawing/2014/main" id="{F0E7174E-74FB-2D52-AEA9-0ED042F3D75F}"/>
                 </a:ext>
               </a:extLst>
             </p:cNvPr>
@@ -4734,10 +6011,10 @@
           </p:grpSpPr>
           <p:pic>
             <p:nvPicPr>
-              <p:cNvPr id="8" name="圖片 7" descr="一張含有 符號, 圖形, 字型, 白色 的圖片&#10;&#10;AI 產生的內容可能不正確。">
+              <p:cNvPr id="24" name="圖片 23" descr="一張含有 符號, 圖形, 字型, 白色 的圖片&#10;&#10;AI 產生的內容可能不正確。">
                 <a:extLst>
                   <a:ext uri="{FF2B5EF4-FFF2-40B4-BE49-F238E27FC236}">
-                    <a16:creationId xmlns:a16="http://schemas.microsoft.com/office/drawing/2014/main" id="{4BD297A1-C2A1-A5B8-BAB3-6D8856684835}"/>
+                    <a16:creationId xmlns:a16="http://schemas.microsoft.com/office/drawing/2014/main" id="{5D14588A-5D72-60A2-759A-4A98465D9C38}"/>
                   </a:ext>
                 </a:extLst>
               </p:cNvPr>
@@ -4764,10 +6041,10 @@
           </p:pic>
           <p:sp>
             <p:nvSpPr>
-              <p:cNvPr id="9" name="文字方塊 8">
+              <p:cNvPr id="25" name="文字方塊 24">
                 <a:extLst>
                   <a:ext uri="{FF2B5EF4-FFF2-40B4-BE49-F238E27FC236}">
-                    <a16:creationId xmlns:a16="http://schemas.microsoft.com/office/drawing/2014/main" id="{41D418FB-FA5E-72AC-9EB7-24615BC91D6A}"/>
+                    <a16:creationId xmlns:a16="http://schemas.microsoft.com/office/drawing/2014/main" id="{4D13F01D-88CE-BCB0-A638-5DB70DB899D2}"/>
                   </a:ext>
                 </a:extLst>
               </p:cNvPr>
@@ -4830,10 +6107,10 @@
         </p:grpSp>
         <p:grpSp>
           <p:nvGrpSpPr>
-            <p:cNvPr id="15" name="群組 14">
+            <p:cNvPr id="21" name="群組 20">
               <a:extLst>
                 <a:ext uri="{FF2B5EF4-FFF2-40B4-BE49-F238E27FC236}">
-                  <a16:creationId xmlns:a16="http://schemas.microsoft.com/office/drawing/2014/main" id="{1CBD70D5-319D-92BA-3A3C-049D4C534C6E}"/>
+                  <a16:creationId xmlns:a16="http://schemas.microsoft.com/office/drawing/2014/main" id="{8C2B8C26-24C1-161E-9058-BA7254FDBBDB}"/>
                 </a:ext>
               </a:extLst>
             </p:cNvPr>
@@ -4850,10 +6127,10 @@
           </p:grpSpPr>
           <p:pic>
             <p:nvPicPr>
-              <p:cNvPr id="13" name="圖片 12" descr="一張含有 圓形, 圖形, 符號, 寫生 的圖片&#10;&#10;AI 產生的內容可能不正確。">
+              <p:cNvPr id="22" name="圖片 21" descr="一張含有 圓形, 圖形, 符號, 寫生 的圖片&#10;&#10;AI 產生的內容可能不正確。">
                 <a:extLst>
                   <a:ext uri="{FF2B5EF4-FFF2-40B4-BE49-F238E27FC236}">
-                    <a16:creationId xmlns:a16="http://schemas.microsoft.com/office/drawing/2014/main" id="{143EDCFB-AF3D-8CE3-A6EB-89AA77BD3C80}"/>
+                    <a16:creationId xmlns:a16="http://schemas.microsoft.com/office/drawing/2014/main" id="{F97673C6-07F3-F80F-A793-51302067FF4A}"/>
                   </a:ext>
                 </a:extLst>
               </p:cNvPr>
@@ -4880,10 +6157,10 @@
           </p:pic>
           <p:sp>
             <p:nvSpPr>
-              <p:cNvPr id="14" name="文字方塊 13">
+              <p:cNvPr id="23" name="文字方塊 22">
                 <a:extLst>
                   <a:ext uri="{FF2B5EF4-FFF2-40B4-BE49-F238E27FC236}">
-                    <a16:creationId xmlns:a16="http://schemas.microsoft.com/office/drawing/2014/main" id="{8454575D-29CB-0BA8-B14A-26B552BA4C7C}"/>
+                    <a16:creationId xmlns:a16="http://schemas.microsoft.com/office/drawing/2014/main" id="{88F43A13-03CA-17F9-B104-9557F8A951F0}"/>
                   </a:ext>
                 </a:extLst>
               </p:cNvPr>
@@ -4927,6 +6204,66 @@
     <p:extLst>
       <p:ext uri="{BB962C8B-B14F-4D97-AF65-F5344CB8AC3E}">
         <p14:creationId xmlns:p14="http://schemas.microsoft.com/office/powerpoint/2010/main" val="1372138884"/>
+      </p:ext>
+    </p:extLst>
+  </p:cSld>
+  <p:clrMapOvr>
+    <a:masterClrMapping/>
+  </p:clrMapOvr>
+</p:sld>
+</file>
+
+<file path=ppt/slides/slide9.xml><?xml version="1.0" encoding="utf-8"?>
+<p:sld xmlns:a="http://schemas.openxmlformats.org/drawingml/2006/main" xmlns:r="http://schemas.openxmlformats.org/officeDocument/2006/relationships" xmlns:p="http://schemas.openxmlformats.org/presentationml/2006/main">
+  <p:cSld>
+    <p:spTree>
+      <p:nvGrpSpPr>
+        <p:cNvPr id="1" name=""/>
+        <p:cNvGrpSpPr/>
+        <p:nvPr/>
+      </p:nvGrpSpPr>
+      <p:grpSpPr>
+        <a:xfrm>
+          <a:off x="0" y="0"/>
+          <a:ext cx="0" cy="0"/>
+          <a:chOff x="0" y="0"/>
+          <a:chExt cx="0" cy="0"/>
+        </a:xfrm>
+      </p:grpSpPr>
+      <p:pic>
+        <p:nvPicPr>
+          <p:cNvPr id="8" name="圖片 7" descr="一張含有 螢幕擷取畫面, 文字, 圖表, 字型 的圖片&#10;&#10;AI 產生的內容可能不正確。">
+            <a:extLst>
+              <a:ext uri="{FF2B5EF4-FFF2-40B4-BE49-F238E27FC236}">
+                <a16:creationId xmlns:a16="http://schemas.microsoft.com/office/drawing/2014/main" id="{CD7A784F-4C58-AB8A-922E-CB07919039DF}"/>
+              </a:ext>
+            </a:extLst>
+          </p:cNvPr>
+          <p:cNvPicPr>
+            <a:picLocks noChangeAspect="1"/>
+          </p:cNvPicPr>
+          <p:nvPr/>
+        </p:nvPicPr>
+        <p:blipFill>
+          <a:blip r:embed="rId2"/>
+          <a:stretch>
+            <a:fillRect/>
+          </a:stretch>
+        </p:blipFill>
+        <p:spPr>
+          <a:xfrm>
+            <a:off x="1322398" y="730960"/>
+            <a:ext cx="7772400" cy="5241706"/>
+          </a:xfrm>
+          <a:prstGeom prst="rect">
+            <a:avLst/>
+          </a:prstGeom>
+        </p:spPr>
+      </p:pic>
+    </p:spTree>
+    <p:extLst>
+      <p:ext uri="{BB962C8B-B14F-4D97-AF65-F5344CB8AC3E}">
+        <p14:creationId xmlns:p14="http://schemas.microsoft.com/office/powerpoint/2010/main" val="3131200667"/>
       </p:ext>
     </p:extLst>
   </p:cSld>
